--- a/ew495poster/marcello-ew495-2019.pptx
+++ b/ew495poster/marcello-ew495-2019.pptx
@@ -133,20 +133,6 @@
     </p:extLst>
   </p:cmAuthor>
 </p:cmAuthorLst>
-</file>
-
-<file path=ppt/comments/comment1.xml><?xml version="1.0" encoding="utf-8"?>
-<p:cmLst xmlns:a="http://schemas.openxmlformats.org/drawingml/2006/main" xmlns:r="http://schemas.openxmlformats.org/officeDocument/2006/relationships" xmlns:p="http://schemas.openxmlformats.org/presentationml/2006/main">
-  <p:cm authorId="1" dt="2019-12-04T07:29:58.206" idx="1">
-    <p:pos x="13729" y="14617"/>
-    <p:text>Put RMSE table as inset on the plots. It's not very interesting but useful to have #s at hand.</p:text>
-    <p:extLst>
-      <p:ext uri="{C676402C-5697-4E1C-873F-D02D1690AC5C}">
-        <p15:threadingInfo xmlns:p15="http://schemas.microsoft.com/office/powerpoint/2012/main" timeZoneBias="300"/>
-      </p:ext>
-    </p:extLst>
-  </p:cm>
-</p:cmLst>
 </file>
 
 <file path=ppt/slideLayouts/slideLayout1.xml><?xml version="1.0" encoding="utf-8"?>
@@ -3135,7 +3121,7 @@
           <a:lstStyle/>
           <a:p>
             <a:pPr algn="ctr"/>
-            <a:endParaRPr lang="en-US" sz="6938">
+            <a:endParaRPr lang="en-US" sz="6938" dirty="0">
               <a:solidFill>
                 <a:srgbClr val="D1E4FF"/>
               </a:solidFill>
@@ -3696,7 +3682,7 @@
         <p:spPr bwMode="auto">
           <a:xfrm>
             <a:off x="9716590" y="4343400"/>
-            <a:ext cx="8595360" cy="6357777"/>
+            <a:ext cx="8595360" cy="6788664"/>
           </a:xfrm>
           <a:prstGeom prst="rect">
             <a:avLst/>
@@ -3828,25 +3814,8 @@
                 <a:latin typeface="Arial" panose="020B0604020202020204" pitchFamily="34" charset="0"/>
                 <a:cs typeface="Arial" panose="020B0604020202020204" pitchFamily="34" charset="0"/>
               </a:rPr>
-              <a:t>Methods and </a:t>
-            </a:r>
-            <a:r>
-              <a:rPr lang="en-US" sz="4000" b="1" dirty="0" smtClean="0">
-                <a:solidFill>
-                  <a:srgbClr val="005493"/>
-                </a:solidFill>
-                <a:latin typeface="Arial" panose="020B0604020202020204" pitchFamily="34" charset="0"/>
-                <a:cs typeface="Arial" panose="020B0604020202020204" pitchFamily="34" charset="0"/>
-              </a:rPr>
-              <a:t>materials</a:t>
-            </a:r>
-            <a:endParaRPr lang="en-US" sz="4000" b="1" dirty="0" smtClean="0">
-              <a:solidFill>
-                <a:srgbClr val="005493"/>
-              </a:solidFill>
-              <a:latin typeface="Arial" panose="020B0604020202020204" pitchFamily="34" charset="0"/>
-              <a:cs typeface="Arial" panose="020B0604020202020204" pitchFamily="34" charset="0"/>
-            </a:endParaRPr>
+              <a:t>Methods and materials</a:t>
+            </a:r>
           </a:p>
           <a:p>
             <a:pPr eaLnBrk="1" hangingPunct="1">
@@ -3866,10 +3835,12 @@
             </a:r>
           </a:p>
           <a:p>
-            <a:pPr eaLnBrk="1" hangingPunct="1">
+            <a:pPr marL="457200" indent="-457200" eaLnBrk="1" hangingPunct="1">
               <a:spcBef>
                 <a:spcPct val="50000"/>
               </a:spcBef>
+              <a:buFont typeface="Arial" panose="020B0604020202020204" pitchFamily="34" charset="0"/>
+              <a:buChar char="•"/>
             </a:pPr>
             <a:r>
               <a:rPr lang="en-US" sz="2800" dirty="0" smtClean="0">
@@ -3879,7 +3850,7 @@
                 <a:latin typeface="Arial" panose="020B0604020202020204" pitchFamily="34" charset="0"/>
                 <a:cs typeface="Arial" panose="020B0604020202020204" pitchFamily="34" charset="0"/>
               </a:rPr>
-              <a:t>  Rigid </a:t>
+              <a:t>Rigid </a:t>
             </a:r>
             <a:r>
               <a:rPr lang="en-US" sz="2800" dirty="0">
@@ -3893,10 +3864,12 @@
             </a:r>
           </a:p>
           <a:p>
-            <a:pPr eaLnBrk="1" hangingPunct="1">
+            <a:pPr marL="1200150" lvl="1" indent="-457200" eaLnBrk="1" hangingPunct="1">
               <a:spcBef>
                 <a:spcPct val="50000"/>
               </a:spcBef>
+              <a:buFont typeface="Arial" panose="020B0604020202020204" pitchFamily="34" charset="0"/>
+              <a:buChar char="•"/>
             </a:pPr>
             <a:r>
               <a:rPr lang="en-US" sz="2800" dirty="0" smtClean="0">
@@ -3906,7 +3879,7 @@
                 <a:latin typeface="Arial" panose="020B0604020202020204" pitchFamily="34" charset="0"/>
                 <a:cs typeface="Arial" panose="020B0604020202020204" pitchFamily="34" charset="0"/>
               </a:rPr>
-              <a:t>    Body </a:t>
+              <a:t>Body </a:t>
             </a:r>
             <a:r>
               <a:rPr lang="en-US" sz="2800" dirty="0">
@@ -3956,14 +3929,36 @@
                 <a:latin typeface="Arial" panose="020B0604020202020204" pitchFamily="34" charset="0"/>
                 <a:cs typeface="Arial" panose="020B0604020202020204" pitchFamily="34" charset="0"/>
               </a:rPr>
-              <a:t> website and measurements taken by calipers.</a:t>
-            </a:r>
-          </a:p>
-          <a:p>
-            <a:pPr eaLnBrk="1" hangingPunct="1">
+              <a:t> website </a:t>
+            </a:r>
+            <a:r>
+              <a:rPr lang="en-US" sz="2800" dirty="0" smtClean="0">
+                <a:solidFill>
+                  <a:srgbClr val="005493"/>
+                </a:solidFill>
+                <a:latin typeface="Arial" panose="020B0604020202020204" pitchFamily="34" charset="0"/>
+                <a:cs typeface="Arial" panose="020B0604020202020204" pitchFamily="34" charset="0"/>
+              </a:rPr>
+              <a:t>given parameters and distance measurements </a:t>
+            </a:r>
+            <a:r>
+              <a:rPr lang="en-US" sz="2800" dirty="0">
+                <a:solidFill>
+                  <a:srgbClr val="005493"/>
+                </a:solidFill>
+                <a:latin typeface="Arial" panose="020B0604020202020204" pitchFamily="34" charset="0"/>
+                <a:cs typeface="Arial" panose="020B0604020202020204" pitchFamily="34" charset="0"/>
+              </a:rPr>
+              <a:t>taken by calipers.</a:t>
+            </a:r>
+          </a:p>
+          <a:p>
+            <a:pPr marL="1200150" lvl="1" indent="-457200" eaLnBrk="1" hangingPunct="1">
               <a:spcBef>
                 <a:spcPct val="50000"/>
               </a:spcBef>
+              <a:buFont typeface="Arial" panose="020B0604020202020204" pitchFamily="34" charset="0"/>
+              <a:buChar char="•"/>
             </a:pPr>
             <a:r>
               <a:rPr lang="en-US" sz="2800" dirty="0" smtClean="0">
@@ -3973,7 +3968,17 @@
                 <a:latin typeface="Arial" panose="020B0604020202020204" pitchFamily="34" charset="0"/>
                 <a:cs typeface="Arial" panose="020B0604020202020204" pitchFamily="34" charset="0"/>
               </a:rPr>
-              <a:t>    Hover </a:t>
+              <a:t>The h</a:t>
+            </a:r>
+            <a:r>
+              <a:rPr lang="en-US" sz="2800" dirty="0" smtClean="0">
+                <a:solidFill>
+                  <a:srgbClr val="005493"/>
+                </a:solidFill>
+                <a:latin typeface="Arial" panose="020B0604020202020204" pitchFamily="34" charset="0"/>
+                <a:cs typeface="Arial" panose="020B0604020202020204" pitchFamily="34" charset="0"/>
+              </a:rPr>
+              <a:t>over </a:t>
             </a:r>
             <a:r>
               <a:rPr lang="en-US" sz="2800" dirty="0">
@@ -3983,14 +3988,56 @@
                 <a:latin typeface="Arial" panose="020B0604020202020204" pitchFamily="34" charset="0"/>
                 <a:cs typeface="Arial" panose="020B0604020202020204" pitchFamily="34" charset="0"/>
               </a:rPr>
-              <a:t>condition assumed for control, with pitch and roll angles linearized about an operating point of zero degrees. Attitude angle command saturation limits at +/-12 degrees.</a:t>
-            </a:r>
-          </a:p>
-          <a:p>
-            <a:pPr eaLnBrk="1" hangingPunct="1">
+              <a:t>condition </a:t>
+            </a:r>
+            <a:r>
+              <a:rPr lang="en-US" sz="2800" dirty="0" smtClean="0">
+                <a:solidFill>
+                  <a:srgbClr val="005493"/>
+                </a:solidFill>
+                <a:latin typeface="Arial" panose="020B0604020202020204" pitchFamily="34" charset="0"/>
+                <a:cs typeface="Arial" panose="020B0604020202020204" pitchFamily="34" charset="0"/>
+              </a:rPr>
+              <a:t>is assumed </a:t>
+            </a:r>
+            <a:r>
+              <a:rPr lang="en-US" sz="2800" dirty="0">
+                <a:solidFill>
+                  <a:srgbClr val="005493"/>
+                </a:solidFill>
+                <a:latin typeface="Arial" panose="020B0604020202020204" pitchFamily="34" charset="0"/>
+                <a:cs typeface="Arial" panose="020B0604020202020204" pitchFamily="34" charset="0"/>
+              </a:rPr>
+              <a:t>for control, with pitch and roll angles linearized about an operating point of zero degrees. Attitude angle command saturation </a:t>
+            </a:r>
+            <a:r>
+              <a:rPr lang="en-US" sz="2800" dirty="0" smtClean="0">
+                <a:solidFill>
+                  <a:srgbClr val="005493"/>
+                </a:solidFill>
+                <a:latin typeface="Arial" panose="020B0604020202020204" pitchFamily="34" charset="0"/>
+                <a:cs typeface="Arial" panose="020B0604020202020204" pitchFamily="34" charset="0"/>
+              </a:rPr>
+              <a:t>limits capped at </a:t>
+            </a:r>
+            <a:r>
+              <a:rPr lang="en-US" sz="2800" dirty="0">
+                <a:solidFill>
+                  <a:srgbClr val="005493"/>
+                </a:solidFill>
+                <a:latin typeface="Arial" panose="020B0604020202020204" pitchFamily="34" charset="0"/>
+                <a:cs typeface="Arial" panose="020B0604020202020204" pitchFamily="34" charset="0"/>
+              </a:rPr>
+              <a:t>+/-12 degrees.</a:t>
+            </a:r>
+          </a:p>
+          <a:p>
+            <a:pPr marL="457200" indent="-457200" eaLnBrk="1" hangingPunct="1">
               <a:spcBef>
                 <a:spcPct val="50000"/>
               </a:spcBef>
+              <a:buFont typeface="Arial" panose="020B0604020202020204" pitchFamily="34" charset="0"/>
+              <a:buChar char="•"/>
             </a:pPr>
             <a:r>
               <a:rPr lang="en-US" sz="2800" dirty="0" smtClean="0">
@@ -4000,7 +4047,7 @@
                 <a:latin typeface="Arial" panose="020B0604020202020204" pitchFamily="34" charset="0"/>
                 <a:cs typeface="Arial" panose="020B0604020202020204" pitchFamily="34" charset="0"/>
               </a:rPr>
-              <a:t>  Controller</a:t>
+              <a:t>Controller</a:t>
             </a:r>
             <a:r>
               <a:rPr lang="en-US" sz="2800" dirty="0">
@@ -4650,17 +4697,7 @@
                 <a:latin typeface="Arial" panose="020B0604020202020204" pitchFamily="34" charset="0"/>
                 <a:cs typeface="Arial" panose="020B0604020202020204" pitchFamily="34" charset="0"/>
               </a:rPr>
-              <a:t>  We </a:t>
-            </a:r>
-            <a:r>
-              <a:rPr lang="en-US" sz="2800" dirty="0" smtClean="0">
-                <a:solidFill>
-                  <a:srgbClr val="005493"/>
-                </a:solidFill>
-                <a:latin typeface="Arial" panose="020B0604020202020204" pitchFamily="34" charset="0"/>
-                <a:cs typeface="Arial" panose="020B0604020202020204" pitchFamily="34" charset="0"/>
-              </a:rPr>
-              <a:t>thank Prof C Clark (UCR), Prof B Cheng (PSU), Prof J Dawkins, Prof G Piper, 2Lt B Canlas, and MIDN 1/C </a:t>
+              <a:t>  We thank Prof C Clark (UCR), Prof B Cheng (PSU), Prof J Dawkins, Prof G Piper, 2Lt B Canlas, and MIDN 1/C </a:t>
             </a:r>
             <a:r>
               <a:rPr lang="en-US" sz="2800" dirty="0" err="1" smtClean="0">
@@ -4708,8 +4745,8 @@
         </p:nvSpPr>
         <p:spPr bwMode="auto">
           <a:xfrm>
-            <a:off x="27350712" y="23954166"/>
-            <a:ext cx="8690158" cy="3249234"/>
+            <a:off x="27068075" y="23531467"/>
+            <a:ext cx="9263036" cy="3864787"/>
           </a:xfrm>
           <a:prstGeom prst="rect">
             <a:avLst/>
@@ -4845,304 +4882,87 @@
             </a:r>
           </a:p>
           <a:p>
-            <a:pPr eaLnBrk="1" hangingPunct="1">
-              <a:spcBef>
-                <a:spcPct val="50000"/>
-              </a:spcBef>
+            <a:pPr marL="128270" marR="0" indent="-128270">
+              <a:spcBef>
+                <a:spcPts val="0"/>
+              </a:spcBef>
+              <a:spcAft>
+                <a:spcPts val="0"/>
+              </a:spcAft>
             </a:pPr>
             <a:r>
               <a:rPr lang="en-US" sz="2000" dirty="0" smtClean="0">
-                <a:solidFill>
-                  <a:srgbClr val="005493"/>
-                </a:solidFill>
-                <a:latin typeface="Arial" panose="020B0604020202020204" pitchFamily="34" charset="0"/>
-                <a:cs typeface="Arial" panose="020B0604020202020204" pitchFamily="34" charset="0"/>
-              </a:rPr>
-              <a:t>[</a:t>
+                <a:latin typeface="Times New Roman" panose="02020603050405020304" pitchFamily="18" charset="0"/>
+                <a:ea typeface="Times New Roman" panose="02020603050405020304" pitchFamily="18" charset="0"/>
+              </a:rPr>
+              <a:t>[1]C</a:t>
             </a:r>
             <a:r>
               <a:rPr lang="en-US" sz="2000" dirty="0">
-                <a:solidFill>
-                  <a:srgbClr val="005493"/>
-                </a:solidFill>
-                <a:latin typeface="Arial" panose="020B0604020202020204" pitchFamily="34" charset="0"/>
-                <a:cs typeface="Arial" panose="020B0604020202020204" pitchFamily="34" charset="0"/>
-              </a:rPr>
-              <a:t>1] </a:t>
-            </a:r>
-            <a:r>
-              <a:rPr lang="en-US" sz="2000" dirty="0" err="1">
-                <a:solidFill>
-                  <a:srgbClr val="005493"/>
-                </a:solidFill>
-                <a:latin typeface="Arial" panose="020B0604020202020204" pitchFamily="34" charset="0"/>
-                <a:cs typeface="Arial" panose="020B0604020202020204" pitchFamily="34" charset="0"/>
-              </a:rPr>
-              <a:t>Bézy</a:t>
+                <a:latin typeface="Times New Roman" panose="02020603050405020304" pitchFamily="18" charset="0"/>
+                <a:ea typeface="Times New Roman" panose="02020603050405020304" pitchFamily="18" charset="0"/>
+              </a:rPr>
+              <a:t>. Clark, "Courtship dives of Anna's hummingbird offer insights into flight performance limits", Proceedings of the Royal Society B: Biological Sciences, vol. 276, no. 1670, pp. 3047-3052, 2009 [Online]. Available: https://royalsocietypublishing.org/doi/pdf/10.1098/rspb.2009.0508. [Accessed: 19- Feb- 2019]</a:t>
             </a:r>
             <a:r>
               <a:rPr lang="en-US" sz="2000" dirty="0">
                 <a:solidFill>
-                  <a:srgbClr val="005493"/>
-                </a:solidFill>
-                <a:latin typeface="Arial" panose="020B0604020202020204" pitchFamily="34" charset="0"/>
-                <a:cs typeface="Arial" panose="020B0604020202020204" pitchFamily="34" charset="0"/>
-              </a:rPr>
-              <a:t>, V.S., </a:t>
-            </a:r>
-            <a:r>
-              <a:rPr lang="en-US" sz="2000" dirty="0" err="1">
-                <a:solidFill>
-                  <a:srgbClr val="005493"/>
-                </a:solidFill>
-                <a:latin typeface="Arial" panose="020B0604020202020204" pitchFamily="34" charset="0"/>
-                <a:cs typeface="Arial" panose="020B0604020202020204" pitchFamily="34" charset="0"/>
-              </a:rPr>
-              <a:t>Girondot</a:t>
-            </a:r>
-            <a:r>
-              <a:rPr lang="en-US" sz="2000" dirty="0">
-                <a:solidFill>
-                  <a:srgbClr val="005493"/>
-                </a:solidFill>
-                <a:latin typeface="Arial" panose="020B0604020202020204" pitchFamily="34" charset="0"/>
-                <a:cs typeface="Arial" panose="020B0604020202020204" pitchFamily="34" charset="0"/>
-              </a:rPr>
-              <a:t>, M., and R.A. </a:t>
-            </a:r>
-            <a:r>
-              <a:rPr lang="en-US" sz="2000" dirty="0" err="1">
-                <a:solidFill>
-                  <a:srgbClr val="005493"/>
-                </a:solidFill>
-                <a:latin typeface="Arial" panose="020B0604020202020204" pitchFamily="34" charset="0"/>
-                <a:cs typeface="Arial" panose="020B0604020202020204" pitchFamily="34" charset="0"/>
-              </a:rPr>
-              <a:t>Valverde</a:t>
-            </a:r>
-            <a:r>
-              <a:rPr lang="en-US" sz="2000" dirty="0">
-                <a:solidFill>
-                  <a:srgbClr val="005493"/>
-                </a:solidFill>
-                <a:latin typeface="Arial" panose="020B0604020202020204" pitchFamily="34" charset="0"/>
-                <a:cs typeface="Arial" panose="020B0604020202020204" pitchFamily="34" charset="0"/>
-              </a:rPr>
-              <a:t>.  2016.  A new method for estimating nest density at an </a:t>
-            </a:r>
-            <a:r>
-              <a:rPr lang="en-US" sz="2000" dirty="0" err="1">
-                <a:solidFill>
-                  <a:srgbClr val="005493"/>
-                </a:solidFill>
-                <a:latin typeface="Arial" panose="020B0604020202020204" pitchFamily="34" charset="0"/>
-                <a:cs typeface="Arial" panose="020B0604020202020204" pitchFamily="34" charset="0"/>
-              </a:rPr>
-              <a:t>arribada</a:t>
-            </a:r>
-            <a:r>
-              <a:rPr lang="en-US" sz="2000" dirty="0">
-                <a:solidFill>
-                  <a:srgbClr val="005493"/>
-                </a:solidFill>
-                <a:latin typeface="Arial" panose="020B0604020202020204" pitchFamily="34" charset="0"/>
-                <a:cs typeface="Arial" panose="020B0604020202020204" pitchFamily="34" charset="0"/>
-              </a:rPr>
-              <a:t> rookery in </a:t>
-            </a:r>
-            <a:r>
-              <a:rPr lang="en-US" sz="2000" dirty="0" err="1">
-                <a:solidFill>
-                  <a:srgbClr val="005493"/>
-                </a:solidFill>
-                <a:latin typeface="Arial" panose="020B0604020202020204" pitchFamily="34" charset="0"/>
-                <a:cs typeface="Arial" panose="020B0604020202020204" pitchFamily="34" charset="0"/>
-              </a:rPr>
-              <a:t>Ostional</a:t>
-            </a:r>
-            <a:r>
-              <a:rPr lang="en-US" sz="2000" dirty="0">
-                <a:solidFill>
-                  <a:srgbClr val="005493"/>
-                </a:solidFill>
-                <a:latin typeface="Arial" panose="020B0604020202020204" pitchFamily="34" charset="0"/>
-                <a:cs typeface="Arial" panose="020B0604020202020204" pitchFamily="34" charset="0"/>
-              </a:rPr>
-              <a:t>, Costa Rica. Journal of Herpetology. </a:t>
-            </a:r>
-            <a:r>
-              <a:rPr lang="en-US" sz="2000" dirty="0" err="1">
-                <a:solidFill>
-                  <a:srgbClr val="005493"/>
-                </a:solidFill>
-                <a:latin typeface="Arial" panose="020B0604020202020204" pitchFamily="34" charset="0"/>
-                <a:cs typeface="Arial" panose="020B0604020202020204" pitchFamily="34" charset="0"/>
-              </a:rPr>
-              <a:t>doi</a:t>
-            </a:r>
-            <a:r>
-              <a:rPr lang="en-US" sz="2000" dirty="0">
-                <a:solidFill>
-                  <a:srgbClr val="005493"/>
-                </a:solidFill>
-                <a:latin typeface="Arial" panose="020B0604020202020204" pitchFamily="34" charset="0"/>
-                <a:cs typeface="Arial" panose="020B0604020202020204" pitchFamily="34" charset="0"/>
-              </a:rPr>
-              <a:t>: 10.1670/14-152</a:t>
-            </a:r>
-            <a:r>
-              <a:rPr lang="en-US" sz="2000" dirty="0" smtClean="0">
-                <a:solidFill>
-                  <a:srgbClr val="005493"/>
-                </a:solidFill>
-                <a:latin typeface="Arial" panose="020B0604020202020204" pitchFamily="34" charset="0"/>
-                <a:cs typeface="Arial" panose="020B0604020202020204" pitchFamily="34" charset="0"/>
-              </a:rPr>
-              <a:t>.</a:t>
-            </a:r>
-          </a:p>
-          <a:p>
-            <a:pPr eaLnBrk="1" hangingPunct="1">
-              <a:spcBef>
-                <a:spcPct val="50000"/>
-              </a:spcBef>
-            </a:pPr>
-            <a:r>
-              <a:rPr lang="en-US" sz="2000" dirty="0">
-                <a:solidFill>
-                  <a:srgbClr val="005493"/>
-                </a:solidFill>
-                <a:latin typeface="Arial" panose="020B0604020202020204" pitchFamily="34" charset="0"/>
-                <a:cs typeface="Arial" panose="020B0604020202020204" pitchFamily="34" charset="0"/>
-              </a:rPr>
-              <a:t>[2] </a:t>
-            </a:r>
-            <a:r>
-              <a:rPr lang="en-US" sz="2000" dirty="0" err="1">
-                <a:solidFill>
-                  <a:srgbClr val="005493"/>
-                </a:solidFill>
-                <a:latin typeface="Arial" panose="020B0604020202020204" pitchFamily="34" charset="0"/>
-                <a:cs typeface="Arial" panose="020B0604020202020204" pitchFamily="34" charset="0"/>
-              </a:rPr>
-              <a:t>Sykora-Bodie</a:t>
-            </a:r>
-            <a:r>
-              <a:rPr lang="en-US" sz="2000" dirty="0">
-                <a:solidFill>
-                  <a:srgbClr val="005493"/>
-                </a:solidFill>
-                <a:latin typeface="Arial" panose="020B0604020202020204" pitchFamily="34" charset="0"/>
-                <a:cs typeface="Arial" panose="020B0604020202020204" pitchFamily="34" charset="0"/>
-              </a:rPr>
-              <a:t>, S. T., </a:t>
-            </a:r>
-            <a:r>
-              <a:rPr lang="en-US" sz="2000" dirty="0" err="1">
-                <a:solidFill>
-                  <a:srgbClr val="005493"/>
-                </a:solidFill>
-                <a:latin typeface="Arial" panose="020B0604020202020204" pitchFamily="34" charset="0"/>
-                <a:cs typeface="Arial" panose="020B0604020202020204" pitchFamily="34" charset="0"/>
-              </a:rPr>
-              <a:t>Bezy</a:t>
-            </a:r>
-            <a:r>
-              <a:rPr lang="en-US" sz="2000" dirty="0">
-                <a:solidFill>
-                  <a:srgbClr val="005493"/>
-                </a:solidFill>
-                <a:latin typeface="Arial" panose="020B0604020202020204" pitchFamily="34" charset="0"/>
-                <a:cs typeface="Arial" panose="020B0604020202020204" pitchFamily="34" charset="0"/>
-              </a:rPr>
-              <a:t>, V., Johnston, D. W., Newton, E. </a:t>
-            </a:r>
-            <a:r>
-              <a:rPr lang="en-US" sz="2000" dirty="0" smtClean="0">
-                <a:solidFill>
-                  <a:srgbClr val="005493"/>
-                </a:solidFill>
-                <a:latin typeface="Arial" panose="020B0604020202020204" pitchFamily="34" charset="0"/>
-                <a:cs typeface="Arial" panose="020B0604020202020204" pitchFamily="34" charset="0"/>
-              </a:rPr>
-              <a:t>and </a:t>
-            </a:r>
-            <a:r>
-              <a:rPr lang="en-US" sz="2000" dirty="0" err="1" smtClean="0">
-                <a:solidFill>
-                  <a:srgbClr val="005493"/>
-                </a:solidFill>
-                <a:latin typeface="Arial" panose="020B0604020202020204" pitchFamily="34" charset="0"/>
-                <a:cs typeface="Arial" panose="020B0604020202020204" pitchFamily="34" charset="0"/>
-              </a:rPr>
-              <a:t>Lohmann</a:t>
-            </a:r>
-            <a:r>
-              <a:rPr lang="en-US" sz="2000" dirty="0">
-                <a:solidFill>
-                  <a:srgbClr val="005493"/>
-                </a:solidFill>
-                <a:latin typeface="Arial" panose="020B0604020202020204" pitchFamily="34" charset="0"/>
-                <a:cs typeface="Arial" panose="020B0604020202020204" pitchFamily="34" charset="0"/>
-              </a:rPr>
-              <a:t>, K. J. (2017). Quantifying nearshore sea turtle densities: </a:t>
-            </a:r>
-            <a:r>
-              <a:rPr lang="en-US" sz="2000" dirty="0" smtClean="0">
-                <a:solidFill>
-                  <a:srgbClr val="005493"/>
-                </a:solidFill>
-                <a:latin typeface="Arial" panose="020B0604020202020204" pitchFamily="34" charset="0"/>
-                <a:cs typeface="Arial" panose="020B0604020202020204" pitchFamily="34" charset="0"/>
-              </a:rPr>
-              <a:t>applications </a:t>
-            </a:r>
-            <a:r>
-              <a:rPr lang="en-US" sz="2000" dirty="0">
-                <a:solidFill>
-                  <a:srgbClr val="005493"/>
-                </a:solidFill>
-                <a:latin typeface="Arial" panose="020B0604020202020204" pitchFamily="34" charset="0"/>
-                <a:cs typeface="Arial" panose="020B0604020202020204" pitchFamily="34" charset="0"/>
-              </a:rPr>
-              <a:t>of unmanned aerial systems for population assessments. </a:t>
-            </a:r>
-            <a:r>
-              <a:rPr lang="en-US" sz="2000" dirty="0" smtClean="0">
-                <a:solidFill>
-                  <a:srgbClr val="005493"/>
-                </a:solidFill>
-                <a:latin typeface="Arial" panose="020B0604020202020204" pitchFamily="34" charset="0"/>
-                <a:cs typeface="Arial" panose="020B0604020202020204" pitchFamily="34" charset="0"/>
-              </a:rPr>
-              <a:t>Scientific Reports </a:t>
-            </a:r>
-            <a:r>
-              <a:rPr lang="en-US" sz="2000" dirty="0">
-                <a:solidFill>
-                  <a:srgbClr val="005493"/>
-                </a:solidFill>
-                <a:latin typeface="Arial" panose="020B0604020202020204" pitchFamily="34" charset="0"/>
-                <a:cs typeface="Arial" panose="020B0604020202020204" pitchFamily="34" charset="0"/>
-              </a:rPr>
-              <a:t>7, 17690. doi:10.1038/s41598-017-17719-x</a:t>
-            </a:r>
-            <a:r>
-              <a:rPr lang="en-US" sz="2000" dirty="0" smtClean="0">
-                <a:solidFill>
-                  <a:srgbClr val="005493"/>
-                </a:solidFill>
-                <a:latin typeface="Arial" panose="020B0604020202020204" pitchFamily="34" charset="0"/>
-                <a:cs typeface="Arial" panose="020B0604020202020204" pitchFamily="34" charset="0"/>
-              </a:rPr>
-              <a:t>.</a:t>
-            </a:r>
-            <a:endParaRPr lang="en-US" sz="2000" dirty="0">
+                  <a:srgbClr val="FF0000"/>
+                </a:solidFill>
+                <a:latin typeface="Times New Roman" panose="02020603050405020304" pitchFamily="18" charset="0"/>
+                <a:ea typeface="Times New Roman" panose="02020603050405020304" pitchFamily="18" charset="0"/>
+              </a:rPr>
+              <a:t> </a:t>
+            </a:r>
+            <a:endParaRPr lang="en-US" sz="2000" dirty="0" smtClean="0">
               <a:solidFill>
                 <a:srgbClr val="005493"/>
               </a:solidFill>
               <a:latin typeface="Arial" panose="020B0604020202020204" pitchFamily="34" charset="0"/>
               <a:cs typeface="Arial" panose="020B0604020202020204" pitchFamily="34" charset="0"/>
+            </a:endParaRPr>
+          </a:p>
+          <a:p>
+            <a:pPr marL="128270" marR="0" indent="-128270">
+              <a:spcBef>
+                <a:spcPts val="0"/>
+              </a:spcBef>
+              <a:spcAft>
+                <a:spcPts val="0"/>
+              </a:spcAft>
+            </a:pPr>
+            <a:r>
+              <a:rPr lang="en-US" sz="2000" dirty="0" smtClean="0">
+                <a:latin typeface="Times New Roman" panose="02020603050405020304" pitchFamily="18" charset="0"/>
+                <a:ea typeface="Times New Roman" panose="02020603050405020304" pitchFamily="18" charset="0"/>
+              </a:rPr>
+              <a:t>[2]D</a:t>
+            </a:r>
+            <a:r>
+              <a:rPr lang="en-US" sz="2000" dirty="0">
+                <a:latin typeface="Times New Roman" panose="02020603050405020304" pitchFamily="18" charset="0"/>
+                <a:ea typeface="Times New Roman" panose="02020603050405020304" pitchFamily="18" charset="0"/>
+              </a:rPr>
+              <a:t>. </a:t>
+            </a:r>
+            <a:r>
+              <a:rPr lang="en-US" sz="2000" dirty="0" err="1">
+                <a:latin typeface="Times New Roman" panose="02020603050405020304" pitchFamily="18" charset="0"/>
+                <a:ea typeface="Times New Roman" panose="02020603050405020304" pitchFamily="18" charset="0"/>
+              </a:rPr>
+              <a:t>Mellinger</a:t>
+            </a:r>
+            <a:r>
+              <a:rPr lang="en-US" sz="2000" dirty="0">
+                <a:latin typeface="Times New Roman" panose="02020603050405020304" pitchFamily="18" charset="0"/>
+                <a:ea typeface="Times New Roman" panose="02020603050405020304" pitchFamily="18" charset="0"/>
+              </a:rPr>
+              <a:t> and V. Kumar, "Minimum snap trajectory generation and control for quadrotors," 2011 IEEE International Conference on Robotics and Automation, Shanghai, 2011, pp. 2520-2525 [Online]. Available: http://ieeexplore.ieee.org/stamp/stamp.jsp?tp=&amp;arnumber=5980809&amp;isnumber=5979525. [Accessed: 19- Feb- 2019]</a:t>
+            </a:r>
+            <a:endParaRPr lang="en-US" sz="2800" dirty="0">
+              <a:effectLst/>
+              <a:latin typeface="Times New Roman" panose="02020603050405020304" pitchFamily="18" charset="0"/>
+              <a:ea typeface="Times New Roman" panose="02020603050405020304" pitchFamily="18" charset="0"/>
             </a:endParaRPr>
           </a:p>
         </p:txBody>
@@ -5164,7 +4984,7 @@
         <p:spPr bwMode="auto">
           <a:xfrm>
             <a:off x="628650" y="15697200"/>
-            <a:ext cx="8595360" cy="11159092"/>
+            <a:ext cx="8595360" cy="10728204"/>
           </a:xfrm>
           <a:prstGeom prst="rect">
             <a:avLst/>
@@ -5296,25 +5116,8 @@
                 <a:latin typeface="Arial" panose="020B0604020202020204" pitchFamily="34" charset="0"/>
                 <a:cs typeface="Arial" panose="020B0604020202020204" pitchFamily="34" charset="0"/>
               </a:rPr>
-              <a:t>To what extent can an extreme maneuver be accomplished with path planning and position control versus more direct dynami</a:t>
-            </a:r>
-            <a:r>
-              <a:rPr lang="en-US" sz="4000" b="1" dirty="0" smtClean="0">
-                <a:solidFill>
-                  <a:srgbClr val="005493"/>
-                </a:solidFill>
-                <a:latin typeface="Arial" panose="020B0604020202020204" pitchFamily="34" charset="0"/>
-                <a:cs typeface="Arial" panose="020B0604020202020204" pitchFamily="34" charset="0"/>
-              </a:rPr>
-              <a:t>c control of rates and accelerations?</a:t>
-            </a:r>
-            <a:endParaRPr lang="en-US" sz="4000" b="1" dirty="0" smtClean="0">
-              <a:solidFill>
-                <a:srgbClr val="005493"/>
-              </a:solidFill>
-              <a:latin typeface="Arial" panose="020B0604020202020204" pitchFamily="34" charset="0"/>
-              <a:cs typeface="Arial" panose="020B0604020202020204" pitchFamily="34" charset="0"/>
-            </a:endParaRPr>
+              <a:t>To what extent can an extreme maneuver be accomplished with path planning and position control versus more direct dynamic control of rates and accelerations?</a:t>
+            </a:r>
           </a:p>
           <a:p>
             <a:pPr eaLnBrk="1" hangingPunct="1">
@@ -5400,7 +5203,7 @@
                 <a:latin typeface="Arial" panose="020B0604020202020204" pitchFamily="34" charset="0"/>
                 <a:cs typeface="Arial" panose="020B0604020202020204" pitchFamily="34" charset="0"/>
               </a:rPr>
-              <a:t> 2.1, and an optical motion tracking system (</a:t>
+              <a:t> 2.1, and an optical motion tracking system (OptiTrack),  a suitable controller will be developed to fly a quadrotor autonomously to mimic a scaled-down representative hummingbird dive trajectory. Attempts will first be made in simulation, and then in proof of concept demonstration. Successful trials will demonstrate a root mean square error (RMSE) between the desired trajectory and the actual trajectory of less than 10cm with a 5cm standard deviation over the entire dataset. These errors will be calculated between the </a:t>
             </a:r>
             <a:r>
               <a:rPr lang="en-US" sz="2800" dirty="0" err="1">
@@ -5410,7 +5213,7 @@
                 <a:latin typeface="Arial" panose="020B0604020202020204" pitchFamily="34" charset="0"/>
                 <a:cs typeface="Arial" panose="020B0604020202020204" pitchFamily="34" charset="0"/>
               </a:rPr>
-              <a:t>OptiTrack</a:t>
+              <a:t>x,y,z</a:t>
             </a:r>
             <a:r>
               <a:rPr lang="en-US" sz="2800" dirty="0">
@@ -5420,27 +5223,7 @@
                 <a:latin typeface="Arial" panose="020B0604020202020204" pitchFamily="34" charset="0"/>
                 <a:cs typeface="Arial" panose="020B0604020202020204" pitchFamily="34" charset="0"/>
               </a:rPr>
-              <a:t>),  a suitable controller will be developed to fly a quadrotor autonomously to mimic a scaled-down representative hummingbird dive trajectory. Attempts will first be made in simulation, and then in proof of concept demonstration. Successful trials will demonstrate a root mean square error (RMSE) between the desired trajectory and the actual trajectory of less than 10cm with a 5cm standard deviation over the entire dataset. These errors will be calculated between the </a:t>
-            </a:r>
-            <a:r>
-              <a:rPr lang="en-US" sz="2800" dirty="0" err="1">
-                <a:solidFill>
-                  <a:srgbClr val="005493"/>
-                </a:solidFill>
-                <a:latin typeface="Arial" panose="020B0604020202020204" pitchFamily="34" charset="0"/>
-                <a:cs typeface="Arial" panose="020B0604020202020204" pitchFamily="34" charset="0"/>
-              </a:rPr>
-              <a:t>x,y,z</a:t>
-            </a:r>
-            <a:r>
-              <a:rPr lang="en-US" sz="2800" dirty="0">
-                <a:solidFill>
-                  <a:srgbClr val="005493"/>
-                </a:solidFill>
-                <a:latin typeface="Arial" panose="020B0604020202020204" pitchFamily="34" charset="0"/>
-                <a:cs typeface="Arial" panose="020B0604020202020204" pitchFamily="34" charset="0"/>
-              </a:rPr>
-              <a:t> position data for each pair of data points with the same time stamp. (other assumptions?) </a:t>
+              <a:t> position data for each pair of data points with the same time stamp. </a:t>
             </a:r>
             <a:endParaRPr lang="en-US" sz="2800" dirty="0" smtClean="0">
               <a:solidFill>
@@ -5510,7 +5293,7 @@
         <p:spPr bwMode="auto">
           <a:xfrm>
             <a:off x="9765734" y="17626590"/>
-            <a:ext cx="8595360" cy="3557010"/>
+            <a:ext cx="8595360" cy="3987898"/>
           </a:xfrm>
           <a:prstGeom prst="rect">
             <a:avLst/>
@@ -5656,10 +5439,12 @@
             </a:r>
           </a:p>
           <a:p>
-            <a:pPr eaLnBrk="1" hangingPunct="1">
+            <a:pPr marL="457200" indent="-457200" eaLnBrk="1" hangingPunct="1">
               <a:spcBef>
                 <a:spcPct val="50000"/>
               </a:spcBef>
+              <a:buFont typeface="Arial" panose="020B0604020202020204" pitchFamily="34" charset="0"/>
+              <a:buChar char="•"/>
             </a:pPr>
             <a:r>
               <a:rPr lang="en-US" sz="2800" dirty="0" smtClean="0">
@@ -5759,43 +5544,18 @@
                 <a:latin typeface="Arial" panose="020B0604020202020204" pitchFamily="34" charset="0"/>
                 <a:cs typeface="Arial" panose="020B0604020202020204" pitchFamily="34" charset="0"/>
               </a:rPr>
-              <a:t> position data from the </a:t>
-            </a:r>
-            <a:r>
-              <a:rPr lang="en-US" sz="2800" dirty="0" err="1">
-                <a:solidFill>
-                  <a:srgbClr val="005493"/>
-                </a:solidFill>
-                <a:latin typeface="Arial" panose="020B0604020202020204" pitchFamily="34" charset="0"/>
-                <a:cs typeface="Arial" panose="020B0604020202020204" pitchFamily="34" charset="0"/>
-              </a:rPr>
-              <a:t>OptiTrack</a:t>
-            </a:r>
-            <a:endParaRPr lang="en-US" sz="2800" dirty="0">
-              <a:solidFill>
-                <a:srgbClr val="005493"/>
-              </a:solidFill>
-              <a:latin typeface="Arial" panose="020B0604020202020204" pitchFamily="34" charset="0"/>
-              <a:cs typeface="Arial" panose="020B0604020202020204" pitchFamily="34" charset="0"/>
-            </a:endParaRPr>
-          </a:p>
-          <a:p>
-            <a:pPr eaLnBrk="1" hangingPunct="1">
+              <a:t> position data from the OptiTrack</a:t>
+            </a:r>
+          </a:p>
+          <a:p>
+            <a:pPr marL="457200" indent="-457200" eaLnBrk="1" hangingPunct="1">
               <a:spcBef>
                 <a:spcPct val="50000"/>
               </a:spcBef>
+              <a:buFont typeface="Arial" panose="020B0604020202020204" pitchFamily="34" charset="0"/>
+              <a:buChar char="•"/>
             </a:pPr>
             <a:r>
-              <a:rPr lang="en-US" sz="2800" dirty="0" err="1">
-                <a:solidFill>
-                  <a:srgbClr val="005493"/>
-                </a:solidFill>
-                <a:latin typeface="Arial" panose="020B0604020202020204" pitchFamily="34" charset="0"/>
-                <a:cs typeface="Arial" panose="020B0604020202020204" pitchFamily="34" charset="0"/>
-              </a:rPr>
-              <a:t>OptiTrack</a:t>
-            </a:r>
-            <a:r>
               <a:rPr lang="en-US" sz="2800" dirty="0">
                 <a:solidFill>
                   <a:srgbClr val="005493"/>
@@ -5803,7 +5563,7 @@
                 <a:latin typeface="Arial" panose="020B0604020202020204" pitchFamily="34" charset="0"/>
                 <a:cs typeface="Arial" panose="020B0604020202020204" pitchFamily="34" charset="0"/>
               </a:rPr>
-              <a:t> Motion Tracking System accurate to +/- </a:t>
+              <a:t>OptiTrack Motion Tracking System accurate to +/- </a:t>
             </a:r>
             <a:r>
               <a:rPr lang="en-US" sz="2800" dirty="0" smtClean="0">
@@ -5971,8 +5731,8 @@
         </p:blipFill>
         <p:spPr bwMode="auto">
           <a:xfrm>
-            <a:off x="4328118" y="10203040"/>
-            <a:ext cx="5410199" cy="2762587"/>
+            <a:off x="4334699" y="10582771"/>
+            <a:ext cx="4958431" cy="2450027"/>
           </a:xfrm>
           <a:prstGeom prst="rect">
             <a:avLst/>
@@ -6161,7 +5921,7 @@
                   <a:srgbClr val="005493"/>
                 </a:solidFill>
               </a:rPr>
-              <a:t>[Clark 2009]. </a:t>
+              <a:t>[1]. </a:t>
             </a:r>
             <a:r>
               <a:rPr lang="en-US" sz="2800" b="1" i="1" dirty="0">
@@ -6193,7 +5953,15 @@
                   <a:srgbClr val="005493"/>
                 </a:solidFill>
               </a:rPr>
-              <a:t>n </a:t>
+              <a:t>n aggressive </a:t>
+            </a:r>
+            <a:r>
+              <a:rPr lang="en-US" sz="2800" b="1" i="1" dirty="0">
+                <a:solidFill>
+                  <a:srgbClr val="005493"/>
+                </a:solidFill>
+              </a:rPr>
+              <a:t>path planning </a:t>
             </a:r>
             <a:r>
               <a:rPr lang="en-US" sz="2800" b="1" i="1" dirty="0" smtClean="0">
@@ -6201,7 +5969,7 @@
                   <a:srgbClr val="005493"/>
                 </a:solidFill>
               </a:rPr>
-              <a:t>aggressive </a:t>
+              <a:t>algorithm to </a:t>
             </a:r>
             <a:r>
               <a:rPr lang="en-US" sz="2800" b="1" i="1" dirty="0">
@@ -6209,7 +5977,7 @@
                   <a:srgbClr val="005493"/>
                 </a:solidFill>
               </a:rPr>
-              <a:t>path planning </a:t>
+              <a:t>fly through a thrown hoop, from </a:t>
             </a:r>
             <a:r>
               <a:rPr lang="en-US" sz="2800" b="1" i="1" dirty="0" smtClean="0">
@@ -6217,31 +5985,7 @@
                   <a:srgbClr val="005493"/>
                 </a:solidFill>
               </a:rPr>
-              <a:t>algorithm to </a:t>
-            </a:r>
-            <a:r>
-              <a:rPr lang="en-US" sz="2800" b="1" i="1" dirty="0">
-                <a:solidFill>
-                  <a:srgbClr val="005493"/>
-                </a:solidFill>
-              </a:rPr>
-              <a:t>fly through a thrown hoop, from </a:t>
-            </a:r>
-            <a:r>
-              <a:rPr lang="en-US" sz="2800" b="1" i="1" dirty="0" smtClean="0">
-                <a:solidFill>
-                  <a:srgbClr val="005493"/>
-                </a:solidFill>
-              </a:rPr>
-              <a:t>[Kumar </a:t>
-            </a:r>
-            <a:r>
-              <a:rPr lang="en-US" sz="2800" b="1" i="1" dirty="0" smtClean="0">
-                <a:solidFill>
-                  <a:srgbClr val="005493"/>
-                </a:solidFill>
-              </a:rPr>
-              <a:t>YYYY]</a:t>
+              <a:t>[2].</a:t>
             </a:r>
             <a:endParaRPr lang="en-US" sz="2800" b="1" i="1" dirty="0">
               <a:solidFill>
@@ -6252,65 +5996,6 @@
           </a:p>
         </p:txBody>
       </p:sp>
-      <p:pic>
-        <p:nvPicPr>
-          <p:cNvPr id="65" name="Picture 64"/>
-          <p:cNvPicPr>
-            <a:picLocks noChangeAspect="1"/>
-          </p:cNvPicPr>
-          <p:nvPr/>
-        </p:nvPicPr>
-        <p:blipFill>
-          <a:blip r:embed="rId5">
-            <a:extLst>
-              <a:ext uri="{28A0092B-C50C-407E-A947-70E740481C1C}">
-                <a14:useLocalDpi xmlns:a14="http://schemas.microsoft.com/office/drawing/2010/main" val="0"/>
-              </a:ext>
-            </a:extLst>
-          </a:blip>
-          <a:stretch>
-            <a:fillRect/>
-          </a:stretch>
-        </p:blipFill>
-        <p:spPr>
-          <a:xfrm>
-            <a:off x="14409017" y="11024046"/>
-            <a:ext cx="4333367" cy="4596954"/>
-          </a:xfrm>
-          <a:prstGeom prst="rect">
-            <a:avLst/>
-          </a:prstGeom>
-        </p:spPr>
-      </p:pic>
-      <p:pic>
-        <p:nvPicPr>
-          <p:cNvPr id="68" name="Picture 67"/>
-          <p:cNvPicPr>
-            <a:picLocks noChangeAspect="1"/>
-          </p:cNvPicPr>
-          <p:nvPr/>
-        </p:nvPicPr>
-        <p:blipFill rotWithShape="1">
-          <a:blip r:embed="rId6">
-            <a:extLst>
-              <a:ext uri="{28A0092B-C50C-407E-A947-70E740481C1C}">
-                <a14:useLocalDpi xmlns:a14="http://schemas.microsoft.com/office/drawing/2010/main" val="0"/>
-              </a:ext>
-            </a:extLst>
-          </a:blip>
-          <a:srcRect l="4426" r="8773"/>
-          <a:stretch/>
-        </p:blipFill>
-        <p:spPr>
-          <a:xfrm>
-            <a:off x="9264957" y="11010630"/>
-            <a:ext cx="5317226" cy="4594334"/>
-          </a:xfrm>
-          <a:prstGeom prst="rect">
-            <a:avLst/>
-          </a:prstGeom>
-        </p:spPr>
-      </p:pic>
       <p:sp>
         <p:nvSpPr>
           <p:cNvPr id="74" name="Text Box 24">
@@ -6531,8 +6216,8 @@
         </p:nvSpPr>
         <p:spPr bwMode="auto">
           <a:xfrm>
-            <a:off x="9798543" y="26095732"/>
-            <a:ext cx="8595360" cy="1217909"/>
+            <a:off x="9765734" y="26419192"/>
+            <a:ext cx="8595360" cy="787021"/>
           </a:xfrm>
           <a:prstGeom prst="rect">
             <a:avLst/>
@@ -6687,17 +6372,7 @@
                 <a:latin typeface="Arial" panose="020B0604020202020204" pitchFamily="34" charset="0"/>
                 <a:cs typeface="Arial" panose="020B0604020202020204" pitchFamily="34" charset="0"/>
               </a:rPr>
-              <a:t>Figure 3: Annotate photo </a:t>
-            </a:r>
-            <a:r>
-              <a:rPr lang="en-US" sz="2800" b="1" i="1" dirty="0">
-                <a:solidFill>
-                  <a:srgbClr val="005493"/>
-                </a:solidFill>
-                <a:latin typeface="Arial" panose="020B0604020202020204" pitchFamily="34" charset="0"/>
-                <a:cs typeface="Arial" panose="020B0604020202020204" pitchFamily="34" charset="0"/>
-              </a:rPr>
-              <a:t> </a:t>
+              <a:t>Figure 3: </a:t>
             </a:r>
             <a:r>
               <a:rPr lang="en-US" sz="2800" b="1" i="1" dirty="0" smtClean="0">
@@ -6707,8 +6382,15 @@
                 <a:latin typeface="Arial" panose="020B0604020202020204" pitchFamily="34" charset="0"/>
                 <a:cs typeface="Arial" panose="020B0604020202020204" pitchFamily="34" charset="0"/>
               </a:rPr>
-              <a:t>with labels and arrows</a:t>
-            </a:r>
+              <a:t>Maury 201 OptiTrack lab setup.</a:t>
+            </a:r>
+            <a:endParaRPr lang="en-US" sz="2800" b="1" i="1" dirty="0" smtClean="0">
+              <a:solidFill>
+                <a:srgbClr val="005493"/>
+              </a:solidFill>
+              <a:latin typeface="Arial" panose="020B0604020202020204" pitchFamily="34" charset="0"/>
+              <a:cs typeface="Arial" panose="020B0604020202020204" pitchFamily="34" charset="0"/>
+            </a:endParaRPr>
           </a:p>
         </p:txBody>
       </p:sp>
@@ -6743,7 +6425,7 @@
               <a:t>&lt;&lt;&lt;Pic here of drone flying w/ </a:t>
             </a:r>
             <a:r>
-              <a:rPr lang="en-US" sz="2400" dirty="0" err="1" smtClean="0">
+              <a:rPr lang="en-US" sz="2400" dirty="0" smtClean="0">
                 <a:solidFill>
                   <a:srgbClr val="005493"/>
                 </a:solidFill>
@@ -7000,7 +6682,27 @@
                 <a:latin typeface="Arial" panose="020B0604020202020204" pitchFamily="34" charset="0"/>
                 <a:cs typeface="Arial" panose="020B0604020202020204" pitchFamily="34" charset="0"/>
               </a:rPr>
-              <a:t>  flying the true Hummingbird trajectory at  one fifth, one tenth, and one twentieth the actual Hummingbird’s speed.</a:t>
+              <a:t>  flying the true </a:t>
+            </a:r>
+            <a:r>
+              <a:rPr lang="en-US" sz="2800" b="1" i="1" dirty="0" smtClean="0">
+                <a:solidFill>
+                  <a:srgbClr val="005493"/>
+                </a:solidFill>
+                <a:latin typeface="Arial" panose="020B0604020202020204" pitchFamily="34" charset="0"/>
+                <a:cs typeface="Arial" panose="020B0604020202020204" pitchFamily="34" charset="0"/>
+              </a:rPr>
+              <a:t>hummingbird </a:t>
+            </a:r>
+            <a:r>
+              <a:rPr lang="en-US" sz="2800" b="1" i="1" dirty="0" smtClean="0">
+                <a:solidFill>
+                  <a:srgbClr val="005493"/>
+                </a:solidFill>
+                <a:latin typeface="Arial" panose="020B0604020202020204" pitchFamily="34" charset="0"/>
+                <a:cs typeface="Arial" panose="020B0604020202020204" pitchFamily="34" charset="0"/>
+              </a:rPr>
+              <a:t>trajectory at  one fifth, one tenth, and one twentieth the actual Hummingbird’s speed.</a:t>
             </a:r>
             <a:endParaRPr lang="en-US" sz="2800" b="1" i="1" dirty="0">
               <a:solidFill>
@@ -7021,7 +6723,7 @@
           <p:nvPr/>
         </p:nvPicPr>
         <p:blipFill rotWithShape="1">
-          <a:blip r:embed="rId7">
+          <a:blip r:embed="rId5">
             <a:extLst>
               <a:ext uri="{28A0092B-C50C-407E-A947-70E740481C1C}">
                 <a14:useLocalDpi xmlns:a14="http://schemas.microsoft.com/office/drawing/2010/main" val="0"/>
@@ -7050,7 +6752,7 @@
           <p:nvPr/>
         </p:nvPicPr>
         <p:blipFill>
-          <a:blip r:embed="rId8">
+          <a:blip r:embed="rId6">
             <a:extLst>
               <a:ext uri="{28A0092B-C50C-407E-A947-70E740481C1C}">
                 <a14:useLocalDpi xmlns:a14="http://schemas.microsoft.com/office/drawing/2010/main" val="0"/>
@@ -7080,7 +6782,7 @@
           <p:nvPr/>
         </p:nvPicPr>
         <p:blipFill>
-          <a:blip r:embed="rId9">
+          <a:blip r:embed="rId7">
             <a:extLst>
               <a:ext uri="{28A0092B-C50C-407E-A947-70E740481C1C}">
                 <a14:useLocalDpi xmlns:a14="http://schemas.microsoft.com/office/drawing/2010/main" val="0"/>
@@ -7117,8 +6819,8 @@
         </p:nvSpPr>
         <p:spPr bwMode="auto">
           <a:xfrm>
-            <a:off x="27445907" y="15425481"/>
-            <a:ext cx="8595360" cy="4234119"/>
+            <a:off x="27190726" y="13597650"/>
+            <a:ext cx="9017733" cy="4234119"/>
           </a:xfrm>
           <a:prstGeom prst="rect">
             <a:avLst/>
@@ -7314,7 +7016,7 @@
           <p:nvPr/>
         </p:nvPicPr>
         <p:blipFill>
-          <a:blip r:embed="rId10">
+          <a:blip r:embed="rId8">
             <a:extLst>
               <a:ext uri="{28A0092B-C50C-407E-A947-70E740481C1C}">
                 <a14:useLocalDpi xmlns:a14="http://schemas.microsoft.com/office/drawing/2010/main" val="0"/>
@@ -7327,7 +7029,7 @@
         </p:blipFill>
         <p:spPr>
           <a:xfrm>
-            <a:off x="27781877" y="6891807"/>
+            <a:off x="27629960" y="6011861"/>
             <a:ext cx="8184523" cy="6138393"/>
           </a:xfrm>
           <a:prstGeom prst="rect">
@@ -7351,7 +7053,7 @@
         </p:nvSpPr>
         <p:spPr bwMode="auto">
           <a:xfrm>
-            <a:off x="27330995" y="13106400"/>
+            <a:off x="27478944" y="12057016"/>
             <a:ext cx="8595360" cy="1648796"/>
           </a:xfrm>
           <a:prstGeom prst="rect">
@@ -7527,27 +7229,7 @@
                 <a:latin typeface="Arial" panose="020B0604020202020204" pitchFamily="34" charset="0"/>
                 <a:cs typeface="Arial" panose="020B0604020202020204" pitchFamily="34" charset="0"/>
               </a:rPr>
-              <a:t>, captured with </a:t>
-            </a:r>
-            <a:r>
-              <a:rPr lang="en-US" sz="2800" b="1" i="1" dirty="0" err="1" smtClean="0">
-                <a:solidFill>
-                  <a:srgbClr val="005493"/>
-                </a:solidFill>
-                <a:latin typeface="Arial" panose="020B0604020202020204" pitchFamily="34" charset="0"/>
-                <a:cs typeface="Arial" panose="020B0604020202020204" pitchFamily="34" charset="0"/>
-              </a:rPr>
-              <a:t>OptiTrack</a:t>
-            </a:r>
-            <a:r>
-              <a:rPr lang="en-US" sz="2800" b="1" i="1" dirty="0" smtClean="0">
-                <a:solidFill>
-                  <a:srgbClr val="005493"/>
-                </a:solidFill>
-                <a:latin typeface="Arial" panose="020B0604020202020204" pitchFamily="34" charset="0"/>
-                <a:cs typeface="Arial" panose="020B0604020202020204" pitchFamily="34" charset="0"/>
-              </a:rPr>
-              <a:t>, and plotted in MATLAB.</a:t>
+              <a:t>, captured with OptiTrack, and plotted in MATLAB.</a:t>
             </a:r>
             <a:endParaRPr lang="en-US" sz="2800" b="1" i="1" dirty="0">
               <a:solidFill>
@@ -7575,8 +7257,8 @@
         </p:nvSpPr>
         <p:spPr bwMode="auto">
           <a:xfrm>
-            <a:off x="27599640" y="4343400"/>
-            <a:ext cx="8595360" cy="2202794"/>
+            <a:off x="27362203" y="4343400"/>
+            <a:ext cx="8832797" cy="1587240"/>
           </a:xfrm>
           <a:prstGeom prst="rect">
             <a:avLst/>
@@ -7708,17 +7390,7 @@
                 <a:latin typeface="Arial" panose="020B0604020202020204" pitchFamily="34" charset="0"/>
                 <a:cs typeface="Arial" panose="020B0604020202020204" pitchFamily="34" charset="0"/>
               </a:rPr>
-              <a:t>Results: Successful marker-based automatic tracking </a:t>
-            </a:r>
-            <a:r>
-              <a:rPr lang="en-US" sz="4000" b="1" dirty="0" smtClean="0">
-                <a:solidFill>
-                  <a:srgbClr val="005493"/>
-                </a:solidFill>
-                <a:latin typeface="Arial" panose="020B0604020202020204" pitchFamily="34" charset="0"/>
-                <a:cs typeface="Arial" panose="020B0604020202020204" pitchFamily="34" charset="0"/>
-              </a:rPr>
-              <a:t>of UAS</a:t>
+              <a:t>Results: Successful marker-based automatic tracking of UAS</a:t>
             </a:r>
             <a:endParaRPr lang="en-US" sz="2800" dirty="0">
               <a:solidFill>
@@ -7730,112 +7402,6 @@
           </a:p>
         </p:txBody>
       </p:sp>
-      <p:pic>
-        <p:nvPicPr>
-          <p:cNvPr id="10" name="Picture 9"/>
-          <p:cNvPicPr>
-            <a:picLocks noChangeAspect="1"/>
-          </p:cNvPicPr>
-          <p:nvPr/>
-        </p:nvPicPr>
-        <p:blipFill>
-          <a:blip r:embed="rId11"/>
-          <a:stretch>
-            <a:fillRect/>
-          </a:stretch>
-        </p:blipFill>
-        <p:spPr>
-          <a:xfrm>
-            <a:off x="19364385" y="23205120"/>
-            <a:ext cx="2431034" cy="1081288"/>
-          </a:xfrm>
-          <a:prstGeom prst="rect">
-            <a:avLst/>
-          </a:prstGeom>
-        </p:spPr>
-      </p:pic>
-      <p:pic>
-        <p:nvPicPr>
-          <p:cNvPr id="1030" name="Picture 6" descr="Image result for crazyflie top view"/>
-          <p:cNvPicPr>
-            <a:picLocks noChangeAspect="1" noChangeArrowheads="1"/>
-          </p:cNvPicPr>
-          <p:nvPr/>
-        </p:nvPicPr>
-        <p:blipFill>
-          <a:blip r:embed="rId12" cstate="print">
-            <a:extLst>
-              <a:ext uri="{28A0092B-C50C-407E-A947-70E740481C1C}">
-                <a14:useLocalDpi xmlns:a14="http://schemas.microsoft.com/office/drawing/2010/main" val="0"/>
-              </a:ext>
-            </a:extLst>
-          </a:blip>
-          <a:srcRect/>
-          <a:stretch>
-            <a:fillRect/>
-          </a:stretch>
-        </p:blipFill>
-        <p:spPr bwMode="auto">
-          <a:xfrm>
-            <a:off x="11353800" y="13012327"/>
-            <a:ext cx="627473" cy="627473"/>
-          </a:xfrm>
-          <a:prstGeom prst="rect">
-            <a:avLst/>
-          </a:prstGeom>
-          <a:noFill/>
-          <a:extLst>
-            <a:ext uri="{909E8E84-426E-40DD-AFC4-6F175D3DCCD1}">
-              <a14:hiddenFill xmlns:a14="http://schemas.microsoft.com/office/drawing/2010/main">
-                <a:solidFill>
-                  <a:srgbClr val="FFFFFF"/>
-                </a:solidFill>
-              </a14:hiddenFill>
-            </a:ext>
-          </a:extLst>
-        </p:spPr>
-      </p:pic>
-      <p:pic>
-        <p:nvPicPr>
-          <p:cNvPr id="1032" name="Picture 8" descr="Image result for crazyflie side view"/>
-          <p:cNvPicPr>
-            <a:picLocks noChangeAspect="1" noChangeArrowheads="1"/>
-          </p:cNvPicPr>
-          <p:nvPr/>
-        </p:nvPicPr>
-        <p:blipFill>
-          <a:blip r:embed="rId13" cstate="print">
-            <a:extLst>
-              <a:ext uri="{28A0092B-C50C-407E-A947-70E740481C1C}">
-                <a14:useLocalDpi xmlns:a14="http://schemas.microsoft.com/office/drawing/2010/main" val="0"/>
-              </a:ext>
-            </a:extLst>
-          </a:blip>
-          <a:srcRect/>
-          <a:stretch>
-            <a:fillRect/>
-          </a:stretch>
-        </p:blipFill>
-        <p:spPr bwMode="auto">
-          <a:xfrm>
-            <a:off x="15317492" y="12268200"/>
-            <a:ext cx="913108" cy="299043"/>
-          </a:xfrm>
-          <a:prstGeom prst="rect">
-            <a:avLst/>
-          </a:prstGeom>
-          <a:noFill/>
-          <a:extLst>
-            <a:ext uri="{909E8E84-426E-40DD-AFC4-6F175D3DCCD1}">
-              <a14:hiddenFill xmlns:a14="http://schemas.microsoft.com/office/drawing/2010/main">
-                <a:solidFill>
-                  <a:srgbClr val="FFFFFF"/>
-                </a:solidFill>
-              </a14:hiddenFill>
-            </a:ext>
-          </a:extLst>
-        </p:spPr>
-      </p:pic>
       <p:pic>
         <p:nvPicPr>
           <p:cNvPr id="91" name="Picture 8" descr="Image result for crazyflie side view"/>
@@ -7845,7 +7411,7 @@
           <p:nvPr/>
         </p:nvPicPr>
         <p:blipFill>
-          <a:blip r:embed="rId13" cstate="print">
+          <a:blip r:embed="rId9" cstate="print">
             <a:extLst>
               <a:ext uri="{28A0092B-C50C-407E-A947-70E740481C1C}">
                 <a14:useLocalDpi xmlns:a14="http://schemas.microsoft.com/office/drawing/2010/main" val="0"/>
@@ -7886,7 +7452,7 @@
           <p:nvPr/>
         </p:nvPicPr>
         <p:blipFill>
-          <a:blip r:embed="rId13" cstate="print">
+          <a:blip r:embed="rId9" cstate="print">
             <a:extLst>
               <a:ext uri="{28A0092B-C50C-407E-A947-70E740481C1C}">
                 <a14:useLocalDpi xmlns:a14="http://schemas.microsoft.com/office/drawing/2010/main" val="0"/>
@@ -7927,7 +7493,7 @@
           <p:nvPr/>
         </p:nvPicPr>
         <p:blipFill>
-          <a:blip r:embed="rId13" cstate="print">
+          <a:blip r:embed="rId9" cstate="print">
             <a:extLst>
               <a:ext uri="{28A0092B-C50C-407E-A947-70E740481C1C}">
                 <a14:useLocalDpi xmlns:a14="http://schemas.microsoft.com/office/drawing/2010/main" val="0"/>
@@ -7975,8 +7541,8 @@
         </p:nvSpPr>
         <p:spPr bwMode="auto">
           <a:xfrm>
-            <a:off x="27439956" y="20175182"/>
-            <a:ext cx="8595360" cy="1618018"/>
+            <a:off x="27192424" y="18056727"/>
+            <a:ext cx="9017733" cy="5249782"/>
           </a:xfrm>
           <a:prstGeom prst="rect">
             <a:avLst/>
@@ -8108,8 +7674,55 @@
                 <a:latin typeface="Arial" panose="020B0604020202020204" pitchFamily="34" charset="0"/>
                 <a:cs typeface="Arial" panose="020B0604020202020204" pitchFamily="34" charset="0"/>
               </a:rPr>
-              <a:t>Bumper sticker message</a:t>
-            </a:r>
+              <a:t>Feasibility of mimicking </a:t>
+            </a:r>
+            <a:r>
+              <a:rPr lang="en-US" sz="4000" b="1" i="1" dirty="0" smtClean="0">
+                <a:solidFill>
+                  <a:srgbClr val="005493"/>
+                </a:solidFill>
+                <a:latin typeface="Arial" panose="020B0604020202020204" pitchFamily="34" charset="0"/>
+                <a:cs typeface="Arial" panose="020B0604020202020204" pitchFamily="34" charset="0"/>
+              </a:rPr>
+              <a:t>C. </a:t>
+            </a:r>
+            <a:r>
+              <a:rPr lang="en-US" sz="4000" b="1" i="1" dirty="0" err="1" smtClean="0">
+                <a:solidFill>
+                  <a:srgbClr val="005493"/>
+                </a:solidFill>
+                <a:latin typeface="Arial" panose="020B0604020202020204" pitchFamily="34" charset="0"/>
+                <a:cs typeface="Arial" panose="020B0604020202020204" pitchFamily="34" charset="0"/>
+              </a:rPr>
+              <a:t>anna</a:t>
+            </a:r>
+            <a:r>
+              <a:rPr lang="en-US" sz="4000" b="1" i="1" dirty="0" smtClean="0">
+                <a:solidFill>
+                  <a:srgbClr val="005493"/>
+                </a:solidFill>
+                <a:latin typeface="Arial" panose="020B0604020202020204" pitchFamily="34" charset="0"/>
+                <a:cs typeface="Arial" panose="020B0604020202020204" pitchFamily="34" charset="0"/>
+              </a:rPr>
+              <a:t> </a:t>
+            </a:r>
+            <a:r>
+              <a:rPr lang="en-US" sz="4000" b="1" dirty="0" smtClean="0">
+                <a:solidFill>
+                  <a:srgbClr val="005493"/>
+                </a:solidFill>
+                <a:latin typeface="Arial" panose="020B0604020202020204" pitchFamily="34" charset="0"/>
+                <a:cs typeface="Arial" panose="020B0604020202020204" pitchFamily="34" charset="0"/>
+              </a:rPr>
+              <a:t>dives:</a:t>
+            </a:r>
+            <a:endParaRPr lang="en-US" sz="4000" b="1" dirty="0" smtClean="0">
+              <a:solidFill>
+                <a:srgbClr val="005493"/>
+              </a:solidFill>
+              <a:latin typeface="Arial" panose="020B0604020202020204" pitchFamily="34" charset="0"/>
+              <a:cs typeface="Arial" panose="020B0604020202020204" pitchFamily="34" charset="0"/>
+            </a:endParaRPr>
           </a:p>
           <a:p>
             <a:pPr eaLnBrk="1" hangingPunct="1">
@@ -8125,7 +7738,37 @@
                 <a:latin typeface="Arial" panose="020B0604020202020204" pitchFamily="34" charset="0"/>
                 <a:cs typeface="Arial" panose="020B0604020202020204" pitchFamily="34" charset="0"/>
               </a:rPr>
-              <a:t>So what?</a:t>
+              <a:t>The work displayed has shown that slowed-down trajectory flight similar to </a:t>
+            </a:r>
+            <a:r>
+              <a:rPr lang="en-US" sz="2800" i="1" dirty="0" smtClean="0">
+                <a:solidFill>
+                  <a:srgbClr val="005493"/>
+                </a:solidFill>
+                <a:latin typeface="Arial" panose="020B0604020202020204" pitchFamily="34" charset="0"/>
+                <a:cs typeface="Arial" panose="020B0604020202020204" pitchFamily="34" charset="0"/>
+              </a:rPr>
+              <a:t>C. </a:t>
+            </a:r>
+            <a:r>
+              <a:rPr lang="en-US" sz="2800" i="1" dirty="0" err="1" smtClean="0">
+                <a:solidFill>
+                  <a:srgbClr val="005493"/>
+                </a:solidFill>
+                <a:latin typeface="Arial" panose="020B0604020202020204" pitchFamily="34" charset="0"/>
+                <a:cs typeface="Arial" panose="020B0604020202020204" pitchFamily="34" charset="0"/>
+              </a:rPr>
+              <a:t>anna</a:t>
+            </a:r>
+            <a:r>
+              <a:rPr lang="en-US" sz="2800" dirty="0" smtClean="0">
+                <a:solidFill>
+                  <a:srgbClr val="005493"/>
+                </a:solidFill>
+                <a:latin typeface="Arial" panose="020B0604020202020204" pitchFamily="34" charset="0"/>
+                <a:cs typeface="Arial" panose="020B0604020202020204" pitchFamily="34" charset="0"/>
+              </a:rPr>
+              <a:t> display dives is possible with a quadrotor. Adjusting PID gains, or implementing a more direct control that commands angle rates or accelerations rather than high-level positions would likely increase drone performance. Due to constraints on lab size, geometrically similar but shorter trajectories will also be explored.</a:t>
             </a:r>
             <a:endParaRPr lang="en-US" sz="2800" dirty="0" smtClean="0">
               <a:solidFill>
@@ -8145,8 +7788,191 @@
           </p:cNvPicPr>
           <p:nvPr/>
         </p:nvPicPr>
+        <p:blipFill rotWithShape="1">
+          <a:blip r:embed="rId10" cstate="print">
+            <a:extLst>
+              <a:ext uri="{28A0092B-C50C-407E-A947-70E740481C1C}">
+                <a14:useLocalDpi xmlns:a14="http://schemas.microsoft.com/office/drawing/2010/main" val="0"/>
+              </a:ext>
+            </a:extLst>
+          </a:blip>
+          <a:srcRect t="19736" b="21055"/>
+          <a:stretch/>
+        </p:blipFill>
+        <p:spPr bwMode="auto">
+          <a:xfrm>
+            <a:off x="28956000" y="6585167"/>
+            <a:ext cx="1544360" cy="914400"/>
+          </a:xfrm>
+          <a:prstGeom prst="rect">
+            <a:avLst/>
+          </a:prstGeom>
+          <a:noFill/>
+          <a:extLst>
+            <a:ext uri="{909E8E84-426E-40DD-AFC4-6F175D3DCCD1}">
+              <a14:hiddenFill xmlns:a14="http://schemas.microsoft.com/office/drawing/2010/main">
+                <a:solidFill>
+                  <a:srgbClr val="FFFFFF"/>
+                </a:solidFill>
+              </a14:hiddenFill>
+            </a:ext>
+          </a:extLst>
+        </p:spPr>
+      </p:pic>
+      <p:pic>
+        <p:nvPicPr>
+          <p:cNvPr id="6" name="Picture 5"/>
+          <p:cNvPicPr>
+            <a:picLocks noChangeAspect="1"/>
+          </p:cNvPicPr>
+          <p:nvPr/>
+        </p:nvPicPr>
         <p:blipFill>
-          <a:blip r:embed="rId14" cstate="print">
+          <a:blip r:embed="rId11"/>
+          <a:stretch>
+            <a:fillRect/>
+          </a:stretch>
+        </p:blipFill>
+        <p:spPr>
+          <a:xfrm>
+            <a:off x="19110833" y="18469695"/>
+            <a:ext cx="2606167" cy="339651"/>
+          </a:xfrm>
+          <a:prstGeom prst="rect">
+            <a:avLst/>
+          </a:prstGeom>
+        </p:spPr>
+      </p:pic>
+      <p:pic>
+        <p:nvPicPr>
+          <p:cNvPr id="49" name="Picture 48"/>
+          <p:cNvPicPr>
+            <a:picLocks noChangeAspect="1"/>
+          </p:cNvPicPr>
+          <p:nvPr/>
+        </p:nvPicPr>
+        <p:blipFill>
+          <a:blip r:embed="rId11"/>
+          <a:stretch>
+            <a:fillRect/>
+          </a:stretch>
+        </p:blipFill>
+        <p:spPr>
+          <a:xfrm>
+            <a:off x="19110832" y="13211203"/>
+            <a:ext cx="2606167" cy="339651"/>
+          </a:xfrm>
+          <a:prstGeom prst="rect">
+            <a:avLst/>
+          </a:prstGeom>
+        </p:spPr>
+      </p:pic>
+      <p:pic>
+        <p:nvPicPr>
+          <p:cNvPr id="56" name="Picture 55"/>
+          <p:cNvPicPr>
+            <a:picLocks noChangeAspect="1"/>
+          </p:cNvPicPr>
+          <p:nvPr/>
+        </p:nvPicPr>
+        <p:blipFill>
+          <a:blip r:embed="rId11"/>
+          <a:stretch>
+            <a:fillRect/>
+          </a:stretch>
+        </p:blipFill>
+        <p:spPr>
+          <a:xfrm>
+            <a:off x="19145572" y="23480403"/>
+            <a:ext cx="2606167" cy="339651"/>
+          </a:xfrm>
+          <a:prstGeom prst="rect">
+            <a:avLst/>
+          </a:prstGeom>
+        </p:spPr>
+      </p:pic>
+      <p:pic>
+        <p:nvPicPr>
+          <p:cNvPr id="8" name="Picture 7"/>
+          <p:cNvPicPr>
+            <a:picLocks noChangeAspect="1"/>
+          </p:cNvPicPr>
+          <p:nvPr/>
+        </p:nvPicPr>
+        <p:blipFill>
+          <a:blip r:embed="rId12"/>
+          <a:stretch>
+            <a:fillRect/>
+          </a:stretch>
+        </p:blipFill>
+        <p:spPr>
+          <a:xfrm>
+            <a:off x="19118647" y="13541317"/>
+            <a:ext cx="2582701" cy="259568"/>
+          </a:xfrm>
+          <a:prstGeom prst="rect">
+            <a:avLst/>
+          </a:prstGeom>
+        </p:spPr>
+      </p:pic>
+      <p:pic>
+        <p:nvPicPr>
+          <p:cNvPr id="9" name="Picture 8"/>
+          <p:cNvPicPr>
+            <a:picLocks noChangeAspect="1"/>
+          </p:cNvPicPr>
+          <p:nvPr/>
+        </p:nvPicPr>
+        <p:blipFill>
+          <a:blip r:embed="rId13"/>
+          <a:stretch>
+            <a:fillRect/>
+          </a:stretch>
+        </p:blipFill>
+        <p:spPr>
+          <a:xfrm>
+            <a:off x="19107497" y="18809346"/>
+            <a:ext cx="2574801" cy="265244"/>
+          </a:xfrm>
+          <a:prstGeom prst="rect">
+            <a:avLst/>
+          </a:prstGeom>
+        </p:spPr>
+      </p:pic>
+      <p:pic>
+        <p:nvPicPr>
+          <p:cNvPr id="11" name="Picture 10"/>
+          <p:cNvPicPr>
+            <a:picLocks noChangeAspect="1"/>
+          </p:cNvPicPr>
+          <p:nvPr/>
+        </p:nvPicPr>
+        <p:blipFill>
+          <a:blip r:embed="rId14"/>
+          <a:stretch>
+            <a:fillRect/>
+          </a:stretch>
+        </p:blipFill>
+        <p:spPr>
+          <a:xfrm>
+            <a:off x="19126522" y="23778551"/>
+            <a:ext cx="2625217" cy="269085"/>
+          </a:xfrm>
+          <a:prstGeom prst="rect">
+            <a:avLst/>
+          </a:prstGeom>
+        </p:spPr>
+      </p:pic>
+      <p:pic>
+        <p:nvPicPr>
+          <p:cNvPr id="1028" name="Picture 4" descr="https://lh3.googleusercontent.com/qyHYLJnZ8fN3_O-s727dn1W9kPd4hUWq8u-n10DMfsAuW9ossH3UaZDt06BXDTJInbS70ybAfLlEXbcdnZQQqdNXlc2K_XcUG-4I2oNcW7bmlH3keW-xoAF5rNumMuTjZ-rDwb9tnpVe1yhrAkqTN3Jc2qmZX2kNwUeAnjvrs_f93sBeUEf4HW07yq05bYTMPXAex8PDQYmIH4GBktMrrpNS85vNyRDAriiUN-ic7g8uT9E7_aSQLhW_l7i4iVUwtebcnrVUh4KEbc59ekQOTfSIMManszcJgOoGCgo4NNOk63hgZP6N5qVsvZaJsiNzTj_V_Q7oI-xFY9SOJI2yZ04k1ZRtdDQ5cx_MQFnAU3j6Rb5fLUeYPVBOWbCuheQ7uJOwvOJNaBXYc9lieE98vrQiKia53Mez8NmebHPJz-bY5RGhz0t6Eui52cgR3foP5brOVwZrq_R7zsoRbTX861lQD3o9kT0ZT0JtHEwqh8Z0pPDZU8oOThkr3FUgoiczEXTZXyTdYQLSdl5UZddPcjaZqA3kn6TAh6eTmW-FtfLR_l4zTLpeiIXMk_IXJ2OFEHXqGyxBOOg91wc5RWHB4CEOeayRLuWVHBt2oqSUQtK8UK6K4dEDiZ8_lSrHkMOMA1vyyr5bnDuGzB_Q7paPJ826okNAnL0AaK00GHNJuegYHWfh9_tO1Ccpsd7RGpDHg388eW-92bh6FSFxKFyXX6ZGBrWW7b5JVhJB0zD-c27b3F2F=w876-h657-no"/>
+          <p:cNvPicPr>
+            <a:picLocks noChangeAspect="1" noChangeArrowheads="1"/>
+          </p:cNvPicPr>
+          <p:nvPr/>
+        </p:nvPicPr>
+        <p:blipFill>
+          <a:blip r:embed="rId15">
             <a:extLst>
               <a:ext uri="{28A0092B-C50C-407E-A947-70E740481C1C}">
                 <a14:useLocalDpi xmlns:a14="http://schemas.microsoft.com/office/drawing/2010/main" val="0"/>
@@ -8160,8 +7986,8 @@
         </p:blipFill>
         <p:spPr bwMode="auto">
           <a:xfrm>
-            <a:off x="28796571" y="7162800"/>
-            <a:ext cx="1544360" cy="1544360"/>
+            <a:off x="10720099" y="21844929"/>
+            <a:ext cx="6255777" cy="4691833"/>
           </a:xfrm>
           <a:prstGeom prst="rect">
             <a:avLst/>
@@ -8178,6 +8004,262 @@
           </a:extLst>
         </p:spPr>
       </p:pic>
+      <p:pic>
+        <p:nvPicPr>
+          <p:cNvPr id="12" name="Picture 11"/>
+          <p:cNvPicPr>
+            <a:picLocks noChangeAspect="1"/>
+          </p:cNvPicPr>
+          <p:nvPr/>
+        </p:nvPicPr>
+        <p:blipFill>
+          <a:blip r:embed="rId16"/>
+          <a:stretch>
+            <a:fillRect/>
+          </a:stretch>
+        </p:blipFill>
+        <p:spPr>
+          <a:xfrm>
+            <a:off x="9517792" y="11362505"/>
+            <a:ext cx="8968669" cy="4330665"/>
+          </a:xfrm>
+          <a:prstGeom prst="rect">
+            <a:avLst/>
+          </a:prstGeom>
+        </p:spPr>
+      </p:pic>
+      <p:cxnSp>
+        <p:nvCxnSpPr>
+          <p:cNvPr id="14" name="Straight Arrow Connector 13"/>
+          <p:cNvCxnSpPr/>
+          <p:nvPr/>
+        </p:nvCxnSpPr>
+        <p:spPr>
+          <a:xfrm flipV="1">
+            <a:off x="12255659" y="22862879"/>
+            <a:ext cx="241141" cy="487805"/>
+          </a:xfrm>
+          <a:prstGeom prst="straightConnector1">
+            <a:avLst/>
+          </a:prstGeom>
+          <a:ln w="76200">
+            <a:solidFill>
+              <a:srgbClr val="92D050"/>
+            </a:solidFill>
+            <a:tailEnd type="triangle"/>
+          </a:ln>
+        </p:spPr>
+        <p:style>
+          <a:lnRef idx="1">
+            <a:schemeClr val="accent1"/>
+          </a:lnRef>
+          <a:fillRef idx="0">
+            <a:schemeClr val="accent1"/>
+          </a:fillRef>
+          <a:effectRef idx="0">
+            <a:schemeClr val="accent1"/>
+          </a:effectRef>
+          <a:fontRef idx="minor">
+            <a:schemeClr val="tx1"/>
+          </a:fontRef>
+        </p:style>
+      </p:cxnSp>
+      <p:cxnSp>
+        <p:nvCxnSpPr>
+          <p:cNvPr id="61" name="Straight Arrow Connector 60"/>
+          <p:cNvCxnSpPr/>
+          <p:nvPr/>
+        </p:nvCxnSpPr>
+        <p:spPr>
+          <a:xfrm flipH="1" flipV="1">
+            <a:off x="10924512" y="22505388"/>
+            <a:ext cx="853940" cy="845296"/>
+          </a:xfrm>
+          <a:prstGeom prst="straightConnector1">
+            <a:avLst/>
+          </a:prstGeom>
+          <a:ln w="76200">
+            <a:solidFill>
+              <a:srgbClr val="92D050"/>
+            </a:solidFill>
+            <a:tailEnd type="triangle"/>
+          </a:ln>
+        </p:spPr>
+        <p:style>
+          <a:lnRef idx="1">
+            <a:schemeClr val="accent1"/>
+          </a:lnRef>
+          <a:fillRef idx="0">
+            <a:schemeClr val="accent1"/>
+          </a:fillRef>
+          <a:effectRef idx="0">
+            <a:schemeClr val="accent1"/>
+          </a:effectRef>
+          <a:fontRef idx="minor">
+            <a:schemeClr val="tx1"/>
+          </a:fontRef>
+        </p:style>
+      </p:cxnSp>
+      <p:cxnSp>
+        <p:nvCxnSpPr>
+          <p:cNvPr id="62" name="Straight Arrow Connector 61"/>
+          <p:cNvCxnSpPr/>
+          <p:nvPr/>
+        </p:nvCxnSpPr>
+        <p:spPr>
+          <a:xfrm flipV="1">
+            <a:off x="12959080" y="22862878"/>
+            <a:ext cx="2185670" cy="601173"/>
+          </a:xfrm>
+          <a:prstGeom prst="straightConnector1">
+            <a:avLst/>
+          </a:prstGeom>
+          <a:ln w="76200">
+            <a:solidFill>
+              <a:srgbClr val="92D050"/>
+            </a:solidFill>
+            <a:tailEnd type="triangle"/>
+          </a:ln>
+        </p:spPr>
+        <p:style>
+          <a:lnRef idx="1">
+            <a:schemeClr val="accent1"/>
+          </a:lnRef>
+          <a:fillRef idx="0">
+            <a:schemeClr val="accent1"/>
+          </a:fillRef>
+          <a:effectRef idx="0">
+            <a:schemeClr val="accent1"/>
+          </a:effectRef>
+          <a:fontRef idx="minor">
+            <a:schemeClr val="tx1"/>
+          </a:fontRef>
+        </p:style>
+      </p:cxnSp>
+      <p:sp>
+        <p:nvSpPr>
+          <p:cNvPr id="21" name="TextBox 20"/>
+          <p:cNvSpPr txBox="1"/>
+          <p:nvPr/>
+        </p:nvSpPr>
+        <p:spPr>
+          <a:xfrm>
+            <a:off x="10777618" y="23350684"/>
+            <a:ext cx="2181462" cy="400110"/>
+          </a:xfrm>
+          <a:prstGeom prst="rect">
+            <a:avLst/>
+          </a:prstGeom>
+          <a:noFill/>
+          <a:ln w="38100">
+            <a:solidFill>
+              <a:srgbClr val="92D050"/>
+            </a:solidFill>
+          </a:ln>
+        </p:spPr>
+        <p:txBody>
+          <a:bodyPr wrap="square" rtlCol="0">
+            <a:spAutoFit/>
+          </a:bodyPr>
+          <a:lstStyle/>
+          <a:p>
+            <a:r>
+              <a:rPr lang="en-US" sz="2000" dirty="0" smtClean="0">
+                <a:solidFill>
+                  <a:srgbClr val="92D050"/>
+                </a:solidFill>
+              </a:rPr>
+              <a:t>OptiTrack Cameras</a:t>
+            </a:r>
+            <a:endParaRPr lang="en-US" sz="2000" dirty="0">
+              <a:solidFill>
+                <a:srgbClr val="92D050"/>
+              </a:solidFill>
+            </a:endParaRPr>
+          </a:p>
+        </p:txBody>
+      </p:sp>
+      <p:sp>
+        <p:nvSpPr>
+          <p:cNvPr id="71" name="TextBox 70"/>
+          <p:cNvSpPr txBox="1"/>
+          <p:nvPr/>
+        </p:nvSpPr>
+        <p:spPr>
+          <a:xfrm>
+            <a:off x="13994869" y="25747784"/>
+            <a:ext cx="2527017" cy="400110"/>
+          </a:xfrm>
+          <a:prstGeom prst="rect">
+            <a:avLst/>
+          </a:prstGeom>
+          <a:noFill/>
+          <a:ln w="38100">
+            <a:solidFill>
+              <a:srgbClr val="FFFF00"/>
+            </a:solidFill>
+          </a:ln>
+        </p:spPr>
+        <p:txBody>
+          <a:bodyPr wrap="square" rtlCol="0">
+            <a:spAutoFit/>
+          </a:bodyPr>
+          <a:lstStyle/>
+          <a:p>
+            <a:r>
+              <a:rPr lang="en-US" sz="2000" dirty="0" smtClean="0">
+                <a:solidFill>
+                  <a:srgbClr val="FFFF00"/>
+                </a:solidFill>
+              </a:rPr>
+              <a:t>OptiTrack Workstation</a:t>
+            </a:r>
+            <a:endParaRPr lang="en-US" sz="2000" dirty="0">
+              <a:solidFill>
+                <a:srgbClr val="FFFF00"/>
+              </a:solidFill>
+            </a:endParaRPr>
+          </a:p>
+        </p:txBody>
+      </p:sp>
+      <p:cxnSp>
+        <p:nvCxnSpPr>
+          <p:cNvPr id="72" name="Straight Arrow Connector 71"/>
+          <p:cNvCxnSpPr>
+            <a:stCxn id="71" idx="0"/>
+          </p:cNvCxnSpPr>
+          <p:nvPr/>
+        </p:nvCxnSpPr>
+        <p:spPr>
+          <a:xfrm flipH="1" flipV="1">
+            <a:off x="13773991" y="24612600"/>
+            <a:ext cx="1484387" cy="1135184"/>
+          </a:xfrm>
+          <a:prstGeom prst="straightConnector1">
+            <a:avLst/>
+          </a:prstGeom>
+          <a:ln w="76200">
+            <a:solidFill>
+              <a:srgbClr val="FFFF00"/>
+            </a:solidFill>
+            <a:tailEnd type="triangle"/>
+          </a:ln>
+        </p:spPr>
+        <p:style>
+          <a:lnRef idx="1">
+            <a:schemeClr val="accent1"/>
+          </a:lnRef>
+          <a:fillRef idx="0">
+            <a:schemeClr val="accent1"/>
+          </a:fillRef>
+          <a:effectRef idx="0">
+            <a:schemeClr val="accent1"/>
+          </a:effectRef>
+          <a:fontRef idx="minor">
+            <a:schemeClr val="tx1"/>
+          </a:fontRef>
+        </p:style>
+      </p:cxnSp>
     </p:spTree>
     <p:extLst>
       <p:ext uri="{BB962C8B-B14F-4D97-AF65-F5344CB8AC3E}">

--- a/ew495poster/marcello-ew495-2019.pptx
+++ b/ew495poster/marcello-ew495-2019.pptx
@@ -3968,17 +3968,7 @@
                 <a:latin typeface="Arial" panose="020B0604020202020204" pitchFamily="34" charset="0"/>
                 <a:cs typeface="Arial" panose="020B0604020202020204" pitchFamily="34" charset="0"/>
               </a:rPr>
-              <a:t>The h</a:t>
-            </a:r>
-            <a:r>
-              <a:rPr lang="en-US" sz="2800" dirty="0" smtClean="0">
-                <a:solidFill>
-                  <a:srgbClr val="005493"/>
-                </a:solidFill>
-                <a:latin typeface="Arial" panose="020B0604020202020204" pitchFamily="34" charset="0"/>
-                <a:cs typeface="Arial" panose="020B0604020202020204" pitchFamily="34" charset="0"/>
-              </a:rPr>
-              <a:t>over </a:t>
+              <a:t>The hover </a:t>
             </a:r>
             <a:r>
               <a:rPr lang="en-US" sz="2800" dirty="0">
@@ -6372,25 +6362,8 @@
                 <a:latin typeface="Arial" panose="020B0604020202020204" pitchFamily="34" charset="0"/>
                 <a:cs typeface="Arial" panose="020B0604020202020204" pitchFamily="34" charset="0"/>
               </a:rPr>
-              <a:t>Figure 3: </a:t>
-            </a:r>
-            <a:r>
-              <a:rPr lang="en-US" sz="2800" b="1" i="1" dirty="0" smtClean="0">
-                <a:solidFill>
-                  <a:srgbClr val="005493"/>
-                </a:solidFill>
-                <a:latin typeface="Arial" panose="020B0604020202020204" pitchFamily="34" charset="0"/>
-                <a:cs typeface="Arial" panose="020B0604020202020204" pitchFamily="34" charset="0"/>
-              </a:rPr>
-              <a:t>Maury 201 OptiTrack lab setup.</a:t>
-            </a:r>
-            <a:endParaRPr lang="en-US" sz="2800" b="1" i="1" dirty="0" smtClean="0">
-              <a:solidFill>
-                <a:srgbClr val="005493"/>
-              </a:solidFill>
-              <a:latin typeface="Arial" panose="020B0604020202020204" pitchFamily="34" charset="0"/>
-              <a:cs typeface="Arial" panose="020B0604020202020204" pitchFamily="34" charset="0"/>
-            </a:endParaRPr>
+              <a:t>Figure 3: Maury 201 OptiTrack lab setup.</a:t>
+            </a:r>
           </a:p>
         </p:txBody>
       </p:sp>
@@ -6682,27 +6655,7 @@
                 <a:latin typeface="Arial" panose="020B0604020202020204" pitchFamily="34" charset="0"/>
                 <a:cs typeface="Arial" panose="020B0604020202020204" pitchFamily="34" charset="0"/>
               </a:rPr>
-              <a:t>  flying the true </a:t>
-            </a:r>
-            <a:r>
-              <a:rPr lang="en-US" sz="2800" b="1" i="1" dirty="0" smtClean="0">
-                <a:solidFill>
-                  <a:srgbClr val="005493"/>
-                </a:solidFill>
-                <a:latin typeface="Arial" panose="020B0604020202020204" pitchFamily="34" charset="0"/>
-                <a:cs typeface="Arial" panose="020B0604020202020204" pitchFamily="34" charset="0"/>
-              </a:rPr>
-              <a:t>hummingbird </a:t>
-            </a:r>
-            <a:r>
-              <a:rPr lang="en-US" sz="2800" b="1" i="1" dirty="0" smtClean="0">
-                <a:solidFill>
-                  <a:srgbClr val="005493"/>
-                </a:solidFill>
-                <a:latin typeface="Arial" panose="020B0604020202020204" pitchFamily="34" charset="0"/>
-                <a:cs typeface="Arial" panose="020B0604020202020204" pitchFamily="34" charset="0"/>
-              </a:rPr>
-              <a:t>trajectory at  one fifth, one tenth, and one twentieth the actual Hummingbird’s speed.</a:t>
+              <a:t>  flying the true hummingbird trajectory at  one fifth, one tenth, and one twentieth the actual Hummingbird’s speed.</a:t>
             </a:r>
             <a:endParaRPr lang="en-US" sz="2800" b="1" i="1" dirty="0">
               <a:solidFill>
@@ -7716,13 +7669,6 @@
               </a:rPr>
               <a:t>dives:</a:t>
             </a:r>
-            <a:endParaRPr lang="en-US" sz="4000" b="1" dirty="0" smtClean="0">
-              <a:solidFill>
-                <a:srgbClr val="005493"/>
-              </a:solidFill>
-              <a:latin typeface="Arial" panose="020B0604020202020204" pitchFamily="34" charset="0"/>
-              <a:cs typeface="Arial" panose="020B0604020202020204" pitchFamily="34" charset="0"/>
-            </a:endParaRPr>
           </a:p>
           <a:p>
             <a:pPr eaLnBrk="1" hangingPunct="1">
@@ -7770,13 +7716,6 @@
               </a:rPr>
               <a:t> display dives is possible with a quadrotor. Adjusting PID gains, or implementing a more direct control that commands angle rates or accelerations rather than high-level positions would likely increase drone performance. Due to constraints on lab size, geometrically similar but shorter trajectories will also be explored.</a:t>
             </a:r>
-            <a:endParaRPr lang="en-US" sz="2800" dirty="0" smtClean="0">
-              <a:solidFill>
-                <a:srgbClr val="005493"/>
-              </a:solidFill>
-              <a:latin typeface="Arial" panose="020B0604020202020204" pitchFamily="34" charset="0"/>
-              <a:cs typeface="Arial" panose="020B0604020202020204" pitchFamily="34" charset="0"/>
-            </a:endParaRPr>
           </a:p>
         </p:txBody>
       </p:sp>
